--- a/기타자료/제안서/ReMP 제안서.pptx
+++ b/기타자료/제안서/ReMP 제안서.pptx
@@ -118,7 +118,7 @@
   </p:defaultTextStyle>
   <p:extLst>
     <p:ext uri="{EFAFB233-063F-42B5-8137-9DF3F51BA10A}">
-      <p15:sldGuideLst xmlns:p15="http://schemas.microsoft.com/office/powerpoint/2012/main" xmlns="">
+      <p15:sldGuideLst xmlns="" xmlns:p15="http://schemas.microsoft.com/office/powerpoint/2012/main">
         <p15:guide id="1" orient="horz" pos="2160" userDrawn="1">
           <p15:clr>
             <a:srgbClr val="A4A3A4"/>
@@ -3386,31 +3386,18 @@
           </a:xfrm>
         </p:spPr>
         <p:txBody>
-          <a:bodyPr>
-            <a:normAutofit fontScale="25000" lnSpcReduction="20000"/>
-          </a:bodyPr>
+          <a:bodyPr/>
           <a:lstStyle/>
           <a:p>
             <a:r>
-              <a:rPr lang="en-US" altLang="ko-KR" sz="12000" dirty="0" smtClean="0"/>
+              <a:rPr lang="en-US" altLang="ko-KR" dirty="0" smtClean="0"/>
               <a:t>2</a:t>
             </a:r>
             <a:r>
-              <a:rPr lang="ko-KR" altLang="en-US" sz="12000" dirty="0" smtClean="0"/>
+              <a:rPr lang="ko-KR" altLang="en-US" dirty="0" smtClean="0"/>
               <a:t>팀</a:t>
             </a:r>
-            <a:endParaRPr lang="en-US" altLang="ko-KR" sz="12000" dirty="0" smtClean="0"/>
-          </a:p>
-          <a:p>
-            <a:r>
-              <a:rPr lang="ko-KR" altLang="en-US" sz="8000" dirty="0" smtClean="0"/>
-              <a:t>이동훈 김재림 이민정 </a:t>
-            </a:r>
-            <a:r>
-              <a:rPr lang="ko-KR" altLang="en-US" sz="8000" dirty="0" err="1" smtClean="0"/>
-              <a:t>이원호</a:t>
-            </a:r>
-            <a:endParaRPr lang="en-US" altLang="ko-KR" sz="8000" dirty="0" smtClean="0"/>
+            <a:endParaRPr lang="ko-KR" altLang="en-US" dirty="0"/>
           </a:p>
         </p:txBody>
       </p:sp>
@@ -9437,7 +9424,11 @@
             </a:r>
             <a:r>
               <a:rPr lang="ko-KR" altLang="en-US" dirty="0" smtClean="0"/>
-              <a:t> 위한 프로세스로 사용자는 </a:t>
+              <a:t> 위한 프로세스로 </a:t>
+            </a:r>
+            <a:r>
+              <a:rPr lang="ko-KR" altLang="en-US" dirty="0" smtClean="0"/>
+              <a:t>사용자는 </a:t>
             </a:r>
             <a:r>
               <a:rPr lang="ko-KR" altLang="en-US" dirty="0" err="1" smtClean="0"/>
@@ -16719,63 +16710,63 @@
                 <a:gridCol w="686893">
                   <a:extLst>
                     <a:ext uri="{9D8B030D-6E8A-4147-A177-3AD203B41FA5}">
-                      <a16:colId xmlns:a16="http://schemas.microsoft.com/office/drawing/2014/main" xmlns="" val="971796331"/>
+                      <a16:colId xmlns="" xmlns:a16="http://schemas.microsoft.com/office/drawing/2014/main" val="971796331"/>
                     </a:ext>
                   </a:extLst>
                 </a:gridCol>
                 <a:gridCol w="1309888">
                   <a:extLst>
                     <a:ext uri="{9D8B030D-6E8A-4147-A177-3AD203B41FA5}">
-                      <a16:colId xmlns:a16="http://schemas.microsoft.com/office/drawing/2014/main" xmlns="" val="2534523037"/>
+                      <a16:colId xmlns="" xmlns:a16="http://schemas.microsoft.com/office/drawing/2014/main" val="2534523037"/>
                     </a:ext>
                   </a:extLst>
                 </a:gridCol>
                 <a:gridCol w="467246">
                   <a:extLst>
                     <a:ext uri="{9D8B030D-6E8A-4147-A177-3AD203B41FA5}">
-                      <a16:colId xmlns:a16="http://schemas.microsoft.com/office/drawing/2014/main" xmlns="" val="3866259015"/>
+                      <a16:colId xmlns="" xmlns:a16="http://schemas.microsoft.com/office/drawing/2014/main" val="3866259015"/>
                     </a:ext>
                   </a:extLst>
                 </a:gridCol>
                 <a:gridCol w="467246">
                   <a:extLst>
                     <a:ext uri="{9D8B030D-6E8A-4147-A177-3AD203B41FA5}">
-                      <a16:colId xmlns:a16="http://schemas.microsoft.com/office/drawing/2014/main" xmlns="" val="3206069583"/>
+                      <a16:colId xmlns="" xmlns:a16="http://schemas.microsoft.com/office/drawing/2014/main" val="3206069583"/>
                     </a:ext>
                   </a:extLst>
                 </a:gridCol>
                 <a:gridCol w="467246">
                   <a:extLst>
                     <a:ext uri="{9D8B030D-6E8A-4147-A177-3AD203B41FA5}">
-                      <a16:colId xmlns:a16="http://schemas.microsoft.com/office/drawing/2014/main" xmlns="" val="257123135"/>
+                      <a16:colId xmlns="" xmlns:a16="http://schemas.microsoft.com/office/drawing/2014/main" val="257123135"/>
                     </a:ext>
                   </a:extLst>
                 </a:gridCol>
                 <a:gridCol w="467246">
                   <a:extLst>
                     <a:ext uri="{9D8B030D-6E8A-4147-A177-3AD203B41FA5}">
-                      <a16:colId xmlns:a16="http://schemas.microsoft.com/office/drawing/2014/main" xmlns="" val="795921720"/>
+                      <a16:colId xmlns="" xmlns:a16="http://schemas.microsoft.com/office/drawing/2014/main" val="795921720"/>
                     </a:ext>
                   </a:extLst>
                 </a:gridCol>
                 <a:gridCol w="467246">
                   <a:extLst>
                     <a:ext uri="{9D8B030D-6E8A-4147-A177-3AD203B41FA5}">
-                      <a16:colId xmlns:a16="http://schemas.microsoft.com/office/drawing/2014/main" xmlns="" val="1691738050"/>
+                      <a16:colId xmlns="" xmlns:a16="http://schemas.microsoft.com/office/drawing/2014/main" val="1691738050"/>
                     </a:ext>
                   </a:extLst>
                 </a:gridCol>
                 <a:gridCol w="467246">
                   <a:extLst>
                     <a:ext uri="{9D8B030D-6E8A-4147-A177-3AD203B41FA5}">
-                      <a16:colId xmlns:a16="http://schemas.microsoft.com/office/drawing/2014/main" xmlns="" val="3563676213"/>
+                      <a16:colId xmlns="" xmlns:a16="http://schemas.microsoft.com/office/drawing/2014/main" val="3563676213"/>
                     </a:ext>
                   </a:extLst>
                 </a:gridCol>
                 <a:gridCol w="467246">
                   <a:extLst>
                     <a:ext uri="{9D8B030D-6E8A-4147-A177-3AD203B41FA5}">
-                      <a16:colId xmlns:a16="http://schemas.microsoft.com/office/drawing/2014/main" xmlns="" val="1429151776"/>
+                      <a16:colId xmlns="" xmlns:a16="http://schemas.microsoft.com/office/drawing/2014/main" val="1429151776"/>
                     </a:ext>
                   </a:extLst>
                 </a:gridCol>
@@ -17454,7 +17445,7 @@
                 </a:tc>
                 <a:extLst>
                   <a:ext uri="{0D108BD9-81ED-4DB2-BD59-A6C34878D82A}">
-                    <a16:rowId xmlns:a16="http://schemas.microsoft.com/office/drawing/2014/main" xmlns="" val="148234699"/>
+                    <a16:rowId xmlns="" xmlns:a16="http://schemas.microsoft.com/office/drawing/2014/main" val="148234699"/>
                   </a:ext>
                 </a:extLst>
               </a:tr>
@@ -18087,7 +18078,7 @@
                 </a:tc>
                 <a:extLst>
                   <a:ext uri="{0D108BD9-81ED-4DB2-BD59-A6C34878D82A}">
-                    <a16:rowId xmlns:a16="http://schemas.microsoft.com/office/drawing/2014/main" xmlns="" val="1860101032"/>
+                    <a16:rowId xmlns="" xmlns:a16="http://schemas.microsoft.com/office/drawing/2014/main" val="1860101032"/>
                   </a:ext>
                 </a:extLst>
               </a:tr>
@@ -18677,7 +18668,7 @@
                 </a:tc>
                 <a:extLst>
                   <a:ext uri="{0D108BD9-81ED-4DB2-BD59-A6C34878D82A}">
-                    <a16:rowId xmlns:a16="http://schemas.microsoft.com/office/drawing/2014/main" xmlns="" val="4197651672"/>
+                    <a16:rowId xmlns="" xmlns:a16="http://schemas.microsoft.com/office/drawing/2014/main" val="4197651672"/>
                   </a:ext>
                 </a:extLst>
               </a:tr>
@@ -19267,7 +19258,7 @@
                 </a:tc>
                 <a:extLst>
                   <a:ext uri="{0D108BD9-81ED-4DB2-BD59-A6C34878D82A}">
-                    <a16:rowId xmlns:a16="http://schemas.microsoft.com/office/drawing/2014/main" xmlns="" val="950351358"/>
+                    <a16:rowId xmlns="" xmlns:a16="http://schemas.microsoft.com/office/drawing/2014/main" val="950351358"/>
                   </a:ext>
                 </a:extLst>
               </a:tr>
@@ -34334,7 +34325,7 @@
   <a:extraClrSchemeLst/>
   <a:extLst>
     <a:ext uri="{05A4C25C-085E-4340-85A3-A5531E510DB2}">
-      <thm15:themeFamily xmlns:thm15="http://schemas.microsoft.com/office/thememl/2012/main" xmlns="" name="Office Theme" id="{62F939B6-93AF-4DB8-9C6B-D6C7DFDC589F}" vid="{4A3C46E8-61CC-4603-A589-7422A47A8E4A}"/>
+      <thm15:themeFamily xmlns="" xmlns:thm15="http://schemas.microsoft.com/office/thememl/2012/main" name="Office Theme" id="{62F939B6-93AF-4DB8-9C6B-D6C7DFDC589F}" vid="{4A3C46E8-61CC-4603-A589-7422A47A8E4A}"/>
     </a:ext>
   </a:extLst>
 </a:theme>
